--- a/CustomerQueue.pptx
+++ b/CustomerQueue.pptx
@@ -6627,11 +6627,19 @@
           <a:p>
             <a:r>
               <a:rPr lang="en-US" b="1" dirty="0"/>
-              <a:t>Customer: </a:t>
+              <a:t>Customer</a:t>
+            </a:r>
+            <a:r>
+              <a:rPr lang="en-US" b="1"/>
+              <a:t>: </a:t>
+            </a:r>
+            <a:r>
+              <a:rPr lang="en-US"/>
+              <a:t>Customers, </a:t>
             </a:r>
             <a:r>
               <a:rPr lang="en-US" dirty="0"/>
-              <a:t>Customers $ Employees &amp; customers of different industries</a:t>
+              <a:t>Employees &amp; customers of different industries</a:t>
             </a:r>
           </a:p>
           <a:p>

--- a/CustomerQueue.pptx
+++ b/CustomerQueue.pptx
@@ -6288,7 +6288,7 @@
           <a:lstStyle/>
           <a:p>
             <a:r>
-              <a:rPr lang="en-US" dirty="0"/>
+              <a:rPr lang="en-US" b="1" dirty="0"/>
               <a:t>Known Issues</a:t>
             </a:r>
           </a:p>
@@ -6627,19 +6627,11 @@
           <a:p>
             <a:r>
               <a:rPr lang="en-US" b="1" dirty="0"/>
-              <a:t>Customer</a:t>
-            </a:r>
-            <a:r>
-              <a:rPr lang="en-US" b="1"/>
-              <a:t>: </a:t>
-            </a:r>
-            <a:r>
-              <a:rPr lang="en-US"/>
-              <a:t>Customers, </a:t>
+              <a:t>Customer: </a:t>
             </a:r>
             <a:r>
               <a:rPr lang="en-US" dirty="0"/>
-              <a:t>Employees &amp; customers of different industries</a:t>
+              <a:t>Customers, Employees &amp; Customers of different industries</a:t>
             </a:r>
           </a:p>
           <a:p>
@@ -6774,7 +6766,7 @@
           <a:lstStyle/>
           <a:p>
             <a:r>
-              <a:rPr lang="en-US" dirty="0"/>
+              <a:rPr lang="en-US" b="1" dirty="0"/>
               <a:t>System Requirements</a:t>
             </a:r>
           </a:p>
@@ -6944,7 +6936,7 @@
           <a:lstStyle/>
           <a:p>
             <a:r>
-              <a:rPr lang="en-US" dirty="0"/>
+              <a:rPr lang="en-US" b="1" dirty="0"/>
               <a:t>Schedule</a:t>
             </a:r>
           </a:p>
@@ -6960,7 +6952,7 @@
             <p:ph idx="1"/>
             <p:extLst>
               <p:ext uri="{D42A27DB-BD31-4B8C-83A1-F6EECF244321}">
-                <p14:modId xmlns:p14="http://schemas.microsoft.com/office/powerpoint/2010/main" val="2656545528"/>
+                <p14:modId xmlns:p14="http://schemas.microsoft.com/office/powerpoint/2010/main" val="674160769"/>
               </p:ext>
             </p:extLst>
           </p:nvPr>
@@ -7533,7 +7525,7 @@
                       <a:pPr algn="ctr"/>
                       <a:r>
                         <a:rPr lang="en-US" dirty="0"/>
-                        <a:t>2</a:t>
+                        <a:t>1</a:t>
                       </a:r>
                     </a:p>
                   </a:txBody>
@@ -7662,7 +7654,7 @@
                       <a:pPr algn="ctr"/>
                       <a:r>
                         <a:rPr lang="en-US" dirty="0"/>
-                        <a:t>2</a:t>
+                        <a:t>1</a:t>
                       </a:r>
                     </a:p>
                   </a:txBody>
@@ -7791,7 +7783,7 @@
                       <a:pPr algn="ctr"/>
                       <a:r>
                         <a:rPr lang="en-US" dirty="0"/>
-                        <a:t>2</a:t>
+                        <a:t>1</a:t>
                       </a:r>
                     </a:p>
                   </a:txBody>
@@ -7920,7 +7912,7 @@
                       <a:pPr algn="ctr"/>
                       <a:r>
                         <a:rPr lang="en-US" dirty="0"/>
-                        <a:t>2</a:t>
+                        <a:t>1</a:t>
                       </a:r>
                     </a:p>
                   </a:txBody>
@@ -8076,7 +8068,7 @@
           <a:lstStyle/>
           <a:p>
             <a:r>
-              <a:rPr lang="en-US" dirty="0"/>
+              <a:rPr lang="en-US" b="1" dirty="0"/>
               <a:t>Schedule (cont.)</a:t>
             </a:r>
           </a:p>
@@ -8358,7 +8350,7 @@
           <a:lstStyle/>
           <a:p>
             <a:r>
-              <a:rPr lang="en-US" dirty="0"/>
+              <a:rPr lang="en-US" b="1" dirty="0"/>
               <a:t>Challenges Faced</a:t>
             </a:r>
           </a:p>

--- a/CustomerQueue.pptx
+++ b/CustomerQueue.pptx
@@ -6214,28 +6214,27 @@
       </p:sp>
       <p:pic>
         <p:nvPicPr>
-          <p:cNvPr id="4" name="Picture 3"/>
+          <p:cNvPr id="5" name="Picture 4"/>
           <p:cNvPicPr>
             <a:picLocks noChangeAspect="1"/>
           </p:cNvPicPr>
           <p:nvPr/>
         </p:nvPicPr>
-        <p:blipFill>
-          <a:blip r:embed="rId2" cstate="print">
+        <p:blipFill rotWithShape="1">
+          <a:blip r:embed="rId2">
             <a:extLst>
               <a:ext uri="{28A0092B-C50C-407E-A947-70E740481C1C}">
                 <a14:useLocalDpi xmlns:a14="http://schemas.microsoft.com/office/drawing/2010/main" val="0"/>
               </a:ext>
             </a:extLst>
           </a:blip>
-          <a:stretch>
-            <a:fillRect/>
-          </a:stretch>
+          <a:srcRect l="10245" t="25762" r="8261" b="37992"/>
+          <a:stretch/>
         </p:blipFill>
         <p:spPr>
           <a:xfrm>
-            <a:off x="2857243" y="1049137"/>
-            <a:ext cx="5421081" cy="1552913"/>
+            <a:off x="2242158" y="1507341"/>
+            <a:ext cx="5348614" cy="1294272"/>
           </a:xfrm>
           <a:prstGeom prst="rect">
             <a:avLst/>

--- a/CustomerQueue.pptx
+++ b/CustomerQueue.pptx
@@ -6787,13 +6787,13 @@
           <a:lstStyle/>
           <a:p>
             <a:r>
-              <a:rPr lang="en-US" sz="2400" dirty="0"/>
+              <a:rPr lang="en-US" sz="2400" b="1" dirty="0"/>
               <a:t>Make sure ALL REQUIRED credentials are entered</a:t>
             </a:r>
           </a:p>
           <a:p>
             <a:r>
-              <a:rPr lang="en-US" sz="2400" dirty="0"/>
+              <a:rPr lang="en-US" sz="2400" b="1" dirty="0"/>
               <a:t>When customer is removed from queue, everyone after them moves up in the queue (x-1)</a:t>
             </a:r>
           </a:p>

--- a/CustomerQueue.pptx
+++ b/CustomerQueue.pptx
@@ -11,12 +11,13 @@
     <p:sldId id="268" r:id="rId5"/>
     <p:sldId id="258" r:id="rId6"/>
     <p:sldId id="259" r:id="rId7"/>
-    <p:sldId id="263" r:id="rId8"/>
-    <p:sldId id="260" r:id="rId9"/>
-    <p:sldId id="265" r:id="rId10"/>
-    <p:sldId id="266" r:id="rId11"/>
-    <p:sldId id="261" r:id="rId12"/>
-    <p:sldId id="267" r:id="rId13"/>
+    <p:sldId id="269" r:id="rId8"/>
+    <p:sldId id="263" r:id="rId9"/>
+    <p:sldId id="260" r:id="rId10"/>
+    <p:sldId id="265" r:id="rId11"/>
+    <p:sldId id="266" r:id="rId12"/>
+    <p:sldId id="261" r:id="rId13"/>
+    <p:sldId id="267" r:id="rId14"/>
   </p:sldIdLst>
   <p:sldSz cx="12192000" cy="6858000"/>
   <p:notesSz cx="6858000" cy="9144000"/>
@@ -320,7 +321,7 @@
           <a:p>
             <a:fld id="{7BFF0D34-ECD1-4E8E-AC5D-B1EDF90D7BC2}" type="datetimeFigureOut">
               <a:rPr lang="en-US" smtClean="0"/>
-              <a:t>4/26/2017</a:t>
+              <a:t>4/27/2017</a:t>
             </a:fld>
             <a:endParaRPr lang="en-US"/>
           </a:p>
@@ -595,7 +596,7 @@
           <a:p>
             <a:fld id="{7BFF0D34-ECD1-4E8E-AC5D-B1EDF90D7BC2}" type="datetimeFigureOut">
               <a:rPr lang="en-US" smtClean="0"/>
-              <a:t>4/26/2017</a:t>
+              <a:t>4/27/2017</a:t>
             </a:fld>
             <a:endParaRPr lang="en-US"/>
           </a:p>
@@ -789,7 +790,7 @@
           <a:p>
             <a:fld id="{7BFF0D34-ECD1-4E8E-AC5D-B1EDF90D7BC2}" type="datetimeFigureOut">
               <a:rPr lang="en-US" smtClean="0"/>
-              <a:t>4/26/2017</a:t>
+              <a:t>4/27/2017</a:t>
             </a:fld>
             <a:endParaRPr lang="en-US"/>
           </a:p>
@@ -1062,7 +1063,7 @@
           <a:p>
             <a:fld id="{7BFF0D34-ECD1-4E8E-AC5D-B1EDF90D7BC2}" type="datetimeFigureOut">
               <a:rPr lang="en-US" smtClean="0"/>
-              <a:t>4/26/2017</a:t>
+              <a:t>4/27/2017</a:t>
             </a:fld>
             <a:endParaRPr lang="en-US"/>
           </a:p>
@@ -1403,7 +1404,7 @@
           <a:p>
             <a:fld id="{7BFF0D34-ECD1-4E8E-AC5D-B1EDF90D7BC2}" type="datetimeFigureOut">
               <a:rPr lang="en-US" smtClean="0"/>
-              <a:t>4/26/2017</a:t>
+              <a:t>4/27/2017</a:t>
             </a:fld>
             <a:endParaRPr lang="en-US"/>
           </a:p>
@@ -2026,7 +2027,7 @@
           <a:p>
             <a:fld id="{7BFF0D34-ECD1-4E8E-AC5D-B1EDF90D7BC2}" type="datetimeFigureOut">
               <a:rPr lang="en-US" smtClean="0"/>
-              <a:t>4/26/2017</a:t>
+              <a:t>4/27/2017</a:t>
             </a:fld>
             <a:endParaRPr lang="en-US"/>
           </a:p>
@@ -2886,7 +2887,7 @@
           <a:p>
             <a:fld id="{7BFF0D34-ECD1-4E8E-AC5D-B1EDF90D7BC2}" type="datetimeFigureOut">
               <a:rPr lang="en-US" smtClean="0"/>
-              <a:t>4/26/2017</a:t>
+              <a:t>4/27/2017</a:t>
             </a:fld>
             <a:endParaRPr lang="en-US"/>
           </a:p>
@@ -3056,7 +3057,7 @@
           <a:p>
             <a:fld id="{7BFF0D34-ECD1-4E8E-AC5D-B1EDF90D7BC2}" type="datetimeFigureOut">
               <a:rPr lang="en-US" smtClean="0"/>
-              <a:t>4/26/2017</a:t>
+              <a:t>4/27/2017</a:t>
             </a:fld>
             <a:endParaRPr lang="en-US"/>
           </a:p>
@@ -3236,7 +3237,7 @@
           <a:p>
             <a:fld id="{7BFF0D34-ECD1-4E8E-AC5D-B1EDF90D7BC2}" type="datetimeFigureOut">
               <a:rPr lang="en-US" smtClean="0"/>
-              <a:t>4/26/2017</a:t>
+              <a:t>4/27/2017</a:t>
             </a:fld>
             <a:endParaRPr lang="en-US"/>
           </a:p>
@@ -3406,7 +3407,7 @@
           <a:p>
             <a:fld id="{7BFF0D34-ECD1-4E8E-AC5D-B1EDF90D7BC2}" type="datetimeFigureOut">
               <a:rPr lang="en-US" smtClean="0"/>
-              <a:t>4/26/2017</a:t>
+              <a:t>4/27/2017</a:t>
             </a:fld>
             <a:endParaRPr lang="en-US"/>
           </a:p>
@@ -3653,7 +3654,7 @@
           <a:p>
             <a:fld id="{7BFF0D34-ECD1-4E8E-AC5D-B1EDF90D7BC2}" type="datetimeFigureOut">
               <a:rPr lang="en-US" smtClean="0"/>
-              <a:t>4/26/2017</a:t>
+              <a:t>4/27/2017</a:t>
             </a:fld>
             <a:endParaRPr lang="en-US"/>
           </a:p>
@@ -3945,7 +3946,7 @@
           <a:p>
             <a:fld id="{7BFF0D34-ECD1-4E8E-AC5D-B1EDF90D7BC2}" type="datetimeFigureOut">
               <a:rPr lang="en-US" smtClean="0"/>
-              <a:t>4/26/2017</a:t>
+              <a:t>4/27/2017</a:t>
             </a:fld>
             <a:endParaRPr lang="en-US"/>
           </a:p>
@@ -4389,7 +4390,7 @@
           <a:p>
             <a:fld id="{7BFF0D34-ECD1-4E8E-AC5D-B1EDF90D7BC2}" type="datetimeFigureOut">
               <a:rPr lang="en-US" smtClean="0"/>
-              <a:t>4/26/2017</a:t>
+              <a:t>4/27/2017</a:t>
             </a:fld>
             <a:endParaRPr lang="en-US"/>
           </a:p>
@@ -4507,7 +4508,7 @@
           <a:p>
             <a:fld id="{7BFF0D34-ECD1-4E8E-AC5D-B1EDF90D7BC2}" type="datetimeFigureOut">
               <a:rPr lang="en-US" smtClean="0"/>
-              <a:t>4/26/2017</a:t>
+              <a:t>4/27/2017</a:t>
             </a:fld>
             <a:endParaRPr lang="en-US"/>
           </a:p>
@@ -4602,7 +4603,7 @@
           <a:p>
             <a:fld id="{7BFF0D34-ECD1-4E8E-AC5D-B1EDF90D7BC2}" type="datetimeFigureOut">
               <a:rPr lang="en-US" smtClean="0"/>
-              <a:t>4/26/2017</a:t>
+              <a:t>4/27/2017</a:t>
             </a:fld>
             <a:endParaRPr lang="en-US"/>
           </a:p>
@@ -4881,7 +4882,7 @@
           <a:p>
             <a:fld id="{7BFF0D34-ECD1-4E8E-AC5D-B1EDF90D7BC2}" type="datetimeFigureOut">
               <a:rPr lang="en-US" smtClean="0"/>
-              <a:t>4/26/2017</a:t>
+              <a:t>4/27/2017</a:t>
             </a:fld>
             <a:endParaRPr lang="en-US"/>
           </a:p>
@@ -5156,7 +5157,7 @@
           <a:p>
             <a:fld id="{7BFF0D34-ECD1-4E8E-AC5D-B1EDF90D7BC2}" type="datetimeFigureOut">
               <a:rPr lang="en-US" smtClean="0"/>
-              <a:t>4/26/2017</a:t>
+              <a:t>4/27/2017</a:t>
             </a:fld>
             <a:endParaRPr lang="en-US"/>
           </a:p>
@@ -5585,7 +5586,7 @@
           <a:p>
             <a:fld id="{7BFF0D34-ECD1-4E8E-AC5D-B1EDF90D7BC2}" type="datetimeFigureOut">
               <a:rPr lang="en-US" smtClean="0"/>
-              <a:t>4/26/2017</a:t>
+              <a:t>4/27/2017</a:t>
             </a:fld>
             <a:endParaRPr lang="en-US"/>
           </a:p>
@@ -6288,7 +6289,7 @@
           <a:p>
             <a:r>
               <a:rPr lang="en-US" b="1" dirty="0"/>
-              <a:t>Known Issues</a:t>
+              <a:t>Challenges Faced</a:t>
             </a:r>
           </a:p>
         </p:txBody>
@@ -6309,8 +6310,32 @@
           <a:lstStyle/>
           <a:p>
             <a:r>
-              <a:rPr lang="en-US" dirty="0"/>
-              <a:t>Program will only work if establishment has Internet connection</a:t>
+              <a:rPr lang="en-US" b="1" dirty="0"/>
+              <a:t>Complete &amp; Identical translation of program from GUI to Web Model</a:t>
+            </a:r>
+          </a:p>
+          <a:p>
+            <a:r>
+              <a:rPr lang="en-US" b="1" dirty="0"/>
+              <a:t>Minor issue: </a:t>
+            </a:r>
+            <a:r>
+              <a:rPr lang="en-US" b="1" dirty="0" err="1"/>
+              <a:t>Twilio</a:t>
+            </a:r>
+            <a:r>
+              <a:rPr lang="en-US" b="1" dirty="0"/>
+              <a:t> code did not initialize when inside the same method with Spring Framework Initialization</a:t>
+            </a:r>
+          </a:p>
+          <a:p>
+            <a:r>
+              <a:rPr lang="en-US" b="1" dirty="0" err="1"/>
+              <a:t>Gradle</a:t>
+            </a:r>
+            <a:r>
+              <a:rPr lang="en-US" b="1" dirty="0"/>
+              <a:t> build longer than needed</a:t>
             </a:r>
           </a:p>
         </p:txBody>
@@ -6337,8 +6362,8 @@
         </p:blipFill>
         <p:spPr>
           <a:xfrm>
-            <a:off x="3006246" y="2757089"/>
-            <a:ext cx="3752198" cy="2954388"/>
+            <a:off x="2530256" y="4044115"/>
+            <a:ext cx="4807907" cy="2403954"/>
           </a:xfrm>
           <a:prstGeom prst="rect">
             <a:avLst/>
@@ -6348,7 +6373,7 @@
     </p:spTree>
     <p:extLst>
       <p:ext uri="{BB962C8B-B14F-4D97-AF65-F5344CB8AC3E}">
-        <p14:creationId xmlns:p14="http://schemas.microsoft.com/office/powerpoint/2010/main" val="2578019201"/>
+        <p14:creationId xmlns:p14="http://schemas.microsoft.com/office/powerpoint/2010/main" val="169243110"/>
       </p:ext>
     </p:extLst>
   </p:cSld>
@@ -6391,6 +6416,110 @@
           <a:lstStyle/>
           <a:p>
             <a:r>
+              <a:rPr lang="en-US" b="1" dirty="0"/>
+              <a:t>Known Issues</a:t>
+            </a:r>
+          </a:p>
+        </p:txBody>
+      </p:sp>
+      <p:sp>
+        <p:nvSpPr>
+          <p:cNvPr id="3" name="Content Placeholder 2"/>
+          <p:cNvSpPr>
+            <a:spLocks noGrp="1"/>
+          </p:cNvSpPr>
+          <p:nvPr>
+            <p:ph idx="1"/>
+          </p:nvPr>
+        </p:nvSpPr>
+        <p:spPr/>
+        <p:txBody>
+          <a:bodyPr/>
+          <a:lstStyle/>
+          <a:p>
+            <a:r>
+              <a:rPr lang="en-US" dirty="0"/>
+              <a:t>Program will only work if establishment has Internet connection</a:t>
+            </a:r>
+          </a:p>
+        </p:txBody>
+      </p:sp>
+      <p:pic>
+        <p:nvPicPr>
+          <p:cNvPr id="4" name="Picture 3"/>
+          <p:cNvPicPr>
+            <a:picLocks noChangeAspect="1"/>
+          </p:cNvPicPr>
+          <p:nvPr/>
+        </p:nvPicPr>
+        <p:blipFill>
+          <a:blip r:embed="rId2">
+            <a:extLst>
+              <a:ext uri="{28A0092B-C50C-407E-A947-70E740481C1C}">
+                <a14:useLocalDpi xmlns:a14="http://schemas.microsoft.com/office/drawing/2010/main" val="0"/>
+              </a:ext>
+            </a:extLst>
+          </a:blip>
+          <a:stretch>
+            <a:fillRect/>
+          </a:stretch>
+        </p:blipFill>
+        <p:spPr>
+          <a:xfrm>
+            <a:off x="3006246" y="2757089"/>
+            <a:ext cx="3752198" cy="2954388"/>
+          </a:xfrm>
+          <a:prstGeom prst="rect">
+            <a:avLst/>
+          </a:prstGeom>
+        </p:spPr>
+      </p:pic>
+    </p:spTree>
+    <p:extLst>
+      <p:ext uri="{BB962C8B-B14F-4D97-AF65-F5344CB8AC3E}">
+        <p14:creationId xmlns:p14="http://schemas.microsoft.com/office/powerpoint/2010/main" val="2578019201"/>
+      </p:ext>
+    </p:extLst>
+  </p:cSld>
+  <p:clrMapOvr>
+    <a:masterClrMapping/>
+  </p:clrMapOvr>
+</p:sld>
+</file>
+
+<file path=ppt/slides/slide12.xml><?xml version="1.0" encoding="utf-8"?>
+<p:sld xmlns:a="http://schemas.openxmlformats.org/drawingml/2006/main" xmlns:r="http://schemas.openxmlformats.org/officeDocument/2006/relationships" xmlns:p="http://schemas.openxmlformats.org/presentationml/2006/main">
+  <p:cSld>
+    <p:spTree>
+      <p:nvGrpSpPr>
+        <p:cNvPr id="1" name=""/>
+        <p:cNvGrpSpPr/>
+        <p:nvPr/>
+      </p:nvGrpSpPr>
+      <p:grpSpPr>
+        <a:xfrm>
+          <a:off x="0" y="0"/>
+          <a:ext cx="0" cy="0"/>
+          <a:chOff x="0" y="0"/>
+          <a:chExt cx="0" cy="0"/>
+        </a:xfrm>
+      </p:grpSpPr>
+      <p:sp>
+        <p:nvSpPr>
+          <p:cNvPr id="2" name="Title 1"/>
+          <p:cNvSpPr>
+            <a:spLocks noGrp="1"/>
+          </p:cNvSpPr>
+          <p:nvPr>
+            <p:ph type="title"/>
+          </p:nvPr>
+        </p:nvSpPr>
+        <p:spPr/>
+        <p:txBody>
+          <a:bodyPr/>
+          <a:lstStyle/>
+          <a:p>
+            <a:r>
               <a:rPr lang="en-US" b="1" dirty="0">
                 <a:solidFill>
                   <a:schemeClr val="tx1"/>
@@ -6494,7 +6623,7 @@
 </p:sld>
 </file>
 
-<file path=ppt/slides/slide12.xml><?xml version="1.0" encoding="utf-8"?>
+<file path=ppt/slides/slide13.xml><?xml version="1.0" encoding="utf-8"?>
 <p:sld xmlns:a="http://schemas.openxmlformats.org/drawingml/2006/main" xmlns:r="http://schemas.openxmlformats.org/officeDocument/2006/relationships" xmlns:p="http://schemas.openxmlformats.org/presentationml/2006/main">
   <p:cSld>
     <p:spTree>
@@ -8135,7 +8264,7 @@
       </p:grpSpPr>
       <p:sp>
         <p:nvSpPr>
-          <p:cNvPr id="2" name="Title 1"/>
+          <p:cNvPr id="42" name="Title 1"/>
           <p:cNvSpPr>
             <a:spLocks noGrp="1"/>
           </p:cNvSpPr>
@@ -8143,50 +8272,1277 @@
             <p:ph type="title"/>
           </p:nvPr>
         </p:nvSpPr>
-        <p:spPr/>
+        <p:spPr>
+          <a:xfrm>
+            <a:off x="609600" y="274638"/>
+            <a:ext cx="9956800" cy="1143000"/>
+          </a:xfrm>
+        </p:spPr>
         <p:txBody>
           <a:bodyPr/>
           <a:lstStyle/>
           <a:p>
             <a:r>
-              <a:rPr lang="en-US" b="1" dirty="0"/>
-              <a:t>User Requirements</a:t>
-            </a:r>
-          </a:p>
-        </p:txBody>
-      </p:sp>
-      <p:pic>
-        <p:nvPicPr>
-          <p:cNvPr id="4" name="Picture 3"/>
-          <p:cNvPicPr/>
+              <a:rPr lang="en-US" dirty="0"/>
+              <a:t>Design and Architecture</a:t>
+            </a:r>
+          </a:p>
+        </p:txBody>
+      </p:sp>
+      <p:sp>
+        <p:nvSpPr>
+          <p:cNvPr id="43" name="Rectangle 1"/>
+          <p:cNvSpPr>
+            <a:spLocks noChangeArrowheads="1"/>
+          </p:cNvSpPr>
           <p:nvPr/>
-        </p:nvPicPr>
-        <p:blipFill>
-          <a:blip r:embed="rId2">
-            <a:extLst>
-              <a:ext uri="{28A0092B-C50C-407E-A947-70E740481C1C}">
-                <a14:useLocalDpi xmlns:a14="http://schemas.microsoft.com/office/drawing/2010/main" val="0"/>
-              </a:ext>
-            </a:extLst>
-          </a:blip>
-          <a:stretch>
-            <a:fillRect/>
-          </a:stretch>
-        </p:blipFill>
-        <p:spPr>
+        </p:nvSpPr>
+        <p:spPr bwMode="auto">
           <a:xfrm>
-            <a:off x="1416289" y="1278243"/>
-            <a:ext cx="8379065" cy="5160135"/>
+            <a:off x="1524001" y="-323165"/>
+            <a:ext cx="184731" cy="646331"/>
           </a:xfrm>
           <a:prstGeom prst="rect">
             <a:avLst/>
           </a:prstGeom>
-        </p:spPr>
-      </p:pic>
+          <a:noFill/>
+          <a:ln w="9525">
+            <a:noFill/>
+            <a:miter lim="800000"/>
+            <a:headEnd/>
+            <a:tailEnd/>
+          </a:ln>
+          <a:effectLst/>
+        </p:spPr>
+        <p:txBody>
+          <a:bodyPr vert="horz" wrap="none" lIns="91440" tIns="45720" rIns="91440" bIns="45720" numCol="1" anchor="ctr" anchorCtr="0" compatLnSpc="1">
+            <a:prstTxWarp prst="textNoShape">
+              <a:avLst/>
+            </a:prstTxWarp>
+            <a:spAutoFit/>
+          </a:bodyPr>
+          <a:lstStyle/>
+          <a:p>
+            <a:pPr fontAlgn="base">
+              <a:spcBef>
+                <a:spcPct val="0"/>
+              </a:spcBef>
+              <a:spcAft>
+                <a:spcPct val="0"/>
+              </a:spcAft>
+            </a:pPr>
+            <a:br>
+              <a:rPr lang="en-US">
+                <a:latin typeface="Arial" charset="0"/>
+                <a:cs typeface="Arial" charset="0"/>
+              </a:rPr>
+            </a:br>
+            <a:endParaRPr lang="en-US">
+              <a:latin typeface="Arial" charset="0"/>
+              <a:cs typeface="Arial" charset="0"/>
+            </a:endParaRPr>
+          </a:p>
+        </p:txBody>
+      </p:sp>
+      <p:sp>
+        <p:nvSpPr>
+          <p:cNvPr id="45" name="TextBox 44"/>
+          <p:cNvSpPr txBox="1"/>
+          <p:nvPr/>
+        </p:nvSpPr>
+        <p:spPr>
+          <a:xfrm>
+            <a:off x="1269776" y="1981200"/>
+            <a:ext cx="1871025" cy="307777"/>
+          </a:xfrm>
+          <a:prstGeom prst="rect">
+            <a:avLst/>
+          </a:prstGeom>
+          <a:solidFill>
+            <a:schemeClr val="bg2"/>
+          </a:solidFill>
+          <a:ln>
+            <a:solidFill>
+              <a:schemeClr val="tx1"/>
+            </a:solidFill>
+          </a:ln>
+        </p:spPr>
+        <p:txBody>
+          <a:bodyPr wrap="none" rtlCol="0">
+            <a:spAutoFit/>
+          </a:bodyPr>
+          <a:lstStyle/>
+          <a:p>
+            <a:r>
+              <a:rPr lang="en-US" sz="1400" b="1" dirty="0" err="1"/>
+              <a:t>CustomerController</a:t>
+            </a:r>
+            <a:endParaRPr lang="en-US" sz="1400" b="1" dirty="0"/>
+          </a:p>
+        </p:txBody>
+      </p:sp>
+      <p:sp>
+        <p:nvSpPr>
+          <p:cNvPr id="46" name="TextBox 45"/>
+          <p:cNvSpPr txBox="1"/>
+          <p:nvPr/>
+        </p:nvSpPr>
+        <p:spPr>
+          <a:xfrm>
+            <a:off x="1269776" y="2738786"/>
+            <a:ext cx="1693092" cy="307777"/>
+          </a:xfrm>
+          <a:prstGeom prst="rect">
+            <a:avLst/>
+          </a:prstGeom>
+          <a:solidFill>
+            <a:schemeClr val="bg2"/>
+          </a:solidFill>
+          <a:ln>
+            <a:solidFill>
+              <a:schemeClr val="tx1"/>
+            </a:solidFill>
+          </a:ln>
+        </p:spPr>
+        <p:txBody>
+          <a:bodyPr wrap="none" rtlCol="0">
+            <a:spAutoFit/>
+          </a:bodyPr>
+          <a:lstStyle>
+            <a:defPPr>
+              <a:defRPr lang="en-US"/>
+            </a:defPPr>
+            <a:lvl1pPr>
+              <a:defRPr sz="1400"/>
+            </a:lvl1pPr>
+          </a:lstStyle>
+          <a:p>
+            <a:r>
+              <a:rPr lang="en-US" b="1" dirty="0" err="1"/>
+              <a:t>LoginController</a:t>
+            </a:r>
+            <a:endParaRPr lang="en-US" b="1" dirty="0"/>
+          </a:p>
+        </p:txBody>
+      </p:sp>
+      <p:sp>
+        <p:nvSpPr>
+          <p:cNvPr id="48" name="TextBox 47"/>
+          <p:cNvSpPr txBox="1"/>
+          <p:nvPr/>
+        </p:nvSpPr>
+        <p:spPr>
+          <a:xfrm>
+            <a:off x="4352658" y="1991934"/>
+            <a:ext cx="1662635" cy="307777"/>
+          </a:xfrm>
+          <a:prstGeom prst="rect">
+            <a:avLst/>
+          </a:prstGeom>
+          <a:solidFill>
+            <a:schemeClr val="bg2"/>
+          </a:solidFill>
+          <a:ln>
+            <a:solidFill>
+              <a:schemeClr val="tx1"/>
+            </a:solidFill>
+          </a:ln>
+        </p:spPr>
+        <p:txBody>
+          <a:bodyPr wrap="none" rtlCol="0">
+            <a:spAutoFit/>
+          </a:bodyPr>
+          <a:lstStyle>
+            <a:defPPr>
+              <a:defRPr lang="en-US"/>
+            </a:defPPr>
+            <a:lvl1pPr>
+              <a:defRPr sz="1400"/>
+            </a:lvl1pPr>
+          </a:lstStyle>
+          <a:p>
+            <a:r>
+              <a:rPr lang="en-US" b="1" dirty="0" err="1"/>
+              <a:t>CustomerService</a:t>
+            </a:r>
+            <a:endParaRPr lang="en-US" b="1" dirty="0"/>
+          </a:p>
+        </p:txBody>
+      </p:sp>
+      <p:sp>
+        <p:nvSpPr>
+          <p:cNvPr id="49" name="TextBox 48"/>
+          <p:cNvSpPr txBox="1"/>
+          <p:nvPr/>
+        </p:nvSpPr>
+        <p:spPr>
+          <a:xfrm>
+            <a:off x="4352658" y="5715000"/>
+            <a:ext cx="1311578" cy="307777"/>
+          </a:xfrm>
+          <a:prstGeom prst="rect">
+            <a:avLst/>
+          </a:prstGeom>
+          <a:solidFill>
+            <a:schemeClr val="bg2"/>
+          </a:solidFill>
+          <a:ln>
+            <a:solidFill>
+              <a:schemeClr val="tx1"/>
+            </a:solidFill>
+          </a:ln>
+        </p:spPr>
+        <p:txBody>
+          <a:bodyPr wrap="none" rtlCol="0">
+            <a:spAutoFit/>
+          </a:bodyPr>
+          <a:lstStyle>
+            <a:defPPr>
+              <a:defRPr lang="en-US"/>
+            </a:defPPr>
+            <a:lvl1pPr>
+              <a:defRPr sz="1400"/>
+            </a:lvl1pPr>
+          </a:lstStyle>
+          <a:p>
+            <a:r>
+              <a:rPr lang="en-US" b="1" dirty="0" err="1"/>
+              <a:t>UserService</a:t>
+            </a:r>
+            <a:endParaRPr lang="en-US" b="1" dirty="0"/>
+          </a:p>
+        </p:txBody>
+      </p:sp>
+      <p:sp>
+        <p:nvSpPr>
+          <p:cNvPr id="50" name="TextBox 49"/>
+          <p:cNvSpPr txBox="1"/>
+          <p:nvPr/>
+        </p:nvSpPr>
+        <p:spPr>
+          <a:xfrm>
+            <a:off x="7467600" y="3522136"/>
+            <a:ext cx="986167" cy="307777"/>
+          </a:xfrm>
+          <a:prstGeom prst="rect">
+            <a:avLst/>
+          </a:prstGeom>
+          <a:solidFill>
+            <a:schemeClr val="bg2"/>
+          </a:solidFill>
+          <a:ln>
+            <a:solidFill>
+              <a:schemeClr val="tx1"/>
+            </a:solidFill>
+          </a:ln>
+        </p:spPr>
+        <p:txBody>
+          <a:bodyPr wrap="none" rtlCol="0">
+            <a:spAutoFit/>
+          </a:bodyPr>
+          <a:lstStyle>
+            <a:defPPr>
+              <a:defRPr lang="en-US"/>
+            </a:defPPr>
+            <a:lvl1pPr>
+              <a:defRPr sz="1400"/>
+            </a:lvl1pPr>
+          </a:lstStyle>
+          <a:p>
+            <a:r>
+              <a:rPr lang="en-US" b="1" dirty="0" err="1"/>
+              <a:t>UserDao</a:t>
+            </a:r>
+            <a:endParaRPr lang="en-US" b="1" dirty="0"/>
+          </a:p>
+        </p:txBody>
+      </p:sp>
+      <p:sp>
+        <p:nvSpPr>
+          <p:cNvPr id="52" name="TextBox 51"/>
+          <p:cNvSpPr txBox="1"/>
+          <p:nvPr/>
+        </p:nvSpPr>
+        <p:spPr>
+          <a:xfrm>
+            <a:off x="7467598" y="1981200"/>
+            <a:ext cx="1380506" cy="307777"/>
+          </a:xfrm>
+          <a:prstGeom prst="rect">
+            <a:avLst/>
+          </a:prstGeom>
+          <a:solidFill>
+            <a:schemeClr val="bg2"/>
+          </a:solidFill>
+          <a:ln>
+            <a:solidFill>
+              <a:schemeClr val="tx1"/>
+            </a:solidFill>
+          </a:ln>
+        </p:spPr>
+        <p:txBody>
+          <a:bodyPr wrap="none" rtlCol="0">
+            <a:spAutoFit/>
+          </a:bodyPr>
+          <a:lstStyle>
+            <a:defPPr>
+              <a:defRPr lang="en-US"/>
+            </a:defPPr>
+            <a:lvl1pPr>
+              <a:defRPr sz="1400"/>
+            </a:lvl1pPr>
+          </a:lstStyle>
+          <a:p>
+            <a:r>
+              <a:rPr lang="en-US" b="1" dirty="0" err="1"/>
+              <a:t>CustomerDao</a:t>
+            </a:r>
+            <a:endParaRPr lang="en-US" b="1" dirty="0"/>
+          </a:p>
+        </p:txBody>
+      </p:sp>
+      <p:sp>
+        <p:nvSpPr>
+          <p:cNvPr id="53" name="Rectangle 52"/>
+          <p:cNvSpPr/>
+          <p:nvPr/>
+        </p:nvSpPr>
+        <p:spPr>
+          <a:xfrm>
+            <a:off x="685800" y="1752600"/>
+            <a:ext cx="2971800" cy="2590800"/>
+          </a:xfrm>
+          <a:prstGeom prst="rect">
+            <a:avLst/>
+          </a:prstGeom>
+          <a:noFill/>
+        </p:spPr>
+        <p:style>
+          <a:lnRef idx="2">
+            <a:schemeClr val="accent1">
+              <a:shade val="50000"/>
+            </a:schemeClr>
+          </a:lnRef>
+          <a:fillRef idx="1">
+            <a:schemeClr val="accent1"/>
+          </a:fillRef>
+          <a:effectRef idx="0">
+            <a:schemeClr val="accent1"/>
+          </a:effectRef>
+          <a:fontRef idx="minor">
+            <a:schemeClr val="lt1"/>
+          </a:fontRef>
+        </p:style>
+        <p:txBody>
+          <a:bodyPr rtlCol="0" anchor="b" anchorCtr="0"/>
+          <a:lstStyle/>
+          <a:p>
+            <a:pPr algn="ctr"/>
+            <a:r>
+              <a:rPr lang="en-US" b="1" dirty="0">
+                <a:solidFill>
+                  <a:schemeClr val="tx1"/>
+                </a:solidFill>
+              </a:rPr>
+              <a:t>Controller</a:t>
+            </a:r>
+          </a:p>
+        </p:txBody>
+      </p:sp>
+      <p:sp>
+        <p:nvSpPr>
+          <p:cNvPr id="54" name="Rectangle 53"/>
+          <p:cNvSpPr/>
+          <p:nvPr/>
+        </p:nvSpPr>
+        <p:spPr>
+          <a:xfrm>
+            <a:off x="4076699" y="1752600"/>
+            <a:ext cx="2971800" cy="4724400"/>
+          </a:xfrm>
+          <a:prstGeom prst="rect">
+            <a:avLst/>
+          </a:prstGeom>
+          <a:noFill/>
+        </p:spPr>
+        <p:style>
+          <a:lnRef idx="2">
+            <a:schemeClr val="accent1">
+              <a:shade val="50000"/>
+            </a:schemeClr>
+          </a:lnRef>
+          <a:fillRef idx="1">
+            <a:schemeClr val="accent1"/>
+          </a:fillRef>
+          <a:effectRef idx="0">
+            <a:schemeClr val="accent1"/>
+          </a:effectRef>
+          <a:fontRef idx="minor">
+            <a:schemeClr val="lt1"/>
+          </a:fontRef>
+        </p:style>
+        <p:txBody>
+          <a:bodyPr rtlCol="0" anchor="b" anchorCtr="0"/>
+          <a:lstStyle/>
+          <a:p>
+            <a:pPr algn="ctr"/>
+            <a:r>
+              <a:rPr lang="en-US" b="1" dirty="0">
+                <a:solidFill>
+                  <a:schemeClr val="tx1"/>
+                </a:solidFill>
+              </a:rPr>
+              <a:t>Service</a:t>
+            </a:r>
+          </a:p>
+        </p:txBody>
+      </p:sp>
+      <p:sp>
+        <p:nvSpPr>
+          <p:cNvPr id="55" name="Rectangle 54"/>
+          <p:cNvSpPr/>
+          <p:nvPr/>
+        </p:nvSpPr>
+        <p:spPr>
+          <a:xfrm>
+            <a:off x="7239000" y="1752600"/>
+            <a:ext cx="2971800" cy="2590800"/>
+          </a:xfrm>
+          <a:prstGeom prst="rect">
+            <a:avLst/>
+          </a:prstGeom>
+          <a:noFill/>
+        </p:spPr>
+        <p:style>
+          <a:lnRef idx="2">
+            <a:schemeClr val="accent1">
+              <a:shade val="50000"/>
+            </a:schemeClr>
+          </a:lnRef>
+          <a:fillRef idx="1">
+            <a:schemeClr val="accent1"/>
+          </a:fillRef>
+          <a:effectRef idx="0">
+            <a:schemeClr val="accent1"/>
+          </a:effectRef>
+          <a:fontRef idx="minor">
+            <a:schemeClr val="lt1"/>
+          </a:fontRef>
+        </p:style>
+        <p:txBody>
+          <a:bodyPr rtlCol="0" anchor="b" anchorCtr="0"/>
+          <a:lstStyle/>
+          <a:p>
+            <a:pPr algn="ctr"/>
+            <a:r>
+              <a:rPr lang="en-US" b="1" dirty="0">
+                <a:solidFill>
+                  <a:schemeClr val="tx1"/>
+                </a:solidFill>
+              </a:rPr>
+              <a:t>Persistence</a:t>
+            </a:r>
+          </a:p>
+        </p:txBody>
+      </p:sp>
+      <p:cxnSp>
+        <p:nvCxnSpPr>
+          <p:cNvPr id="56" name="Straight Arrow Connector 55"/>
+          <p:cNvCxnSpPr>
+            <a:stCxn id="45" idx="3"/>
+            <a:endCxn id="48" idx="1"/>
+          </p:cNvCxnSpPr>
+          <p:nvPr/>
+        </p:nvCxnSpPr>
+        <p:spPr>
+          <a:xfrm>
+            <a:off x="3140801" y="2135089"/>
+            <a:ext cx="1211857" cy="10734"/>
+          </a:xfrm>
+          <a:prstGeom prst="straightConnector1">
+            <a:avLst/>
+          </a:prstGeom>
+          <a:ln w="25400">
+            <a:tailEnd type="triangle" w="lg" len="lg"/>
+          </a:ln>
+        </p:spPr>
+        <p:style>
+          <a:lnRef idx="1">
+            <a:schemeClr val="dk1"/>
+          </a:lnRef>
+          <a:fillRef idx="0">
+            <a:schemeClr val="dk1"/>
+          </a:fillRef>
+          <a:effectRef idx="0">
+            <a:schemeClr val="dk1"/>
+          </a:effectRef>
+          <a:fontRef idx="minor">
+            <a:schemeClr val="tx1"/>
+          </a:fontRef>
+        </p:style>
+      </p:cxnSp>
+      <p:sp>
+        <p:nvSpPr>
+          <p:cNvPr id="59" name="Rectangle 58"/>
+          <p:cNvSpPr/>
+          <p:nvPr/>
+        </p:nvSpPr>
+        <p:spPr>
+          <a:xfrm>
+            <a:off x="685800" y="4486555"/>
+            <a:ext cx="2971800" cy="1998136"/>
+          </a:xfrm>
+          <a:prstGeom prst="rect">
+            <a:avLst/>
+          </a:prstGeom>
+          <a:noFill/>
+        </p:spPr>
+        <p:style>
+          <a:lnRef idx="2">
+            <a:schemeClr val="accent1">
+              <a:shade val="50000"/>
+            </a:schemeClr>
+          </a:lnRef>
+          <a:fillRef idx="1">
+            <a:schemeClr val="accent1"/>
+          </a:fillRef>
+          <a:effectRef idx="0">
+            <a:schemeClr val="accent1"/>
+          </a:effectRef>
+          <a:fontRef idx="minor">
+            <a:schemeClr val="lt1"/>
+          </a:fontRef>
+        </p:style>
+        <p:txBody>
+          <a:bodyPr rtlCol="0" anchor="b" anchorCtr="0"/>
+          <a:lstStyle/>
+          <a:p>
+            <a:pPr algn="ctr"/>
+            <a:r>
+              <a:rPr lang="en-US" b="1" dirty="0">
+                <a:solidFill>
+                  <a:schemeClr val="tx1"/>
+                </a:solidFill>
+              </a:rPr>
+              <a:t>Configuration</a:t>
+            </a:r>
+          </a:p>
+        </p:txBody>
+      </p:sp>
+      <p:sp>
+        <p:nvSpPr>
+          <p:cNvPr id="60" name="TextBox 59"/>
+          <p:cNvSpPr txBox="1"/>
+          <p:nvPr/>
+        </p:nvSpPr>
+        <p:spPr>
+          <a:xfrm>
+            <a:off x="1269777" y="5715000"/>
+            <a:ext cx="1592103" cy="307777"/>
+          </a:xfrm>
+          <a:prstGeom prst="rect">
+            <a:avLst/>
+          </a:prstGeom>
+          <a:solidFill>
+            <a:schemeClr val="bg2"/>
+          </a:solidFill>
+          <a:ln>
+            <a:solidFill>
+              <a:schemeClr val="tx1"/>
+            </a:solidFill>
+          </a:ln>
+        </p:spPr>
+        <p:txBody>
+          <a:bodyPr wrap="none" rtlCol="0">
+            <a:spAutoFit/>
+          </a:bodyPr>
+          <a:lstStyle>
+            <a:defPPr>
+              <a:defRPr lang="en-US"/>
+            </a:defPPr>
+            <a:lvl1pPr>
+              <a:defRPr sz="1400"/>
+            </a:lvl1pPr>
+          </a:lstStyle>
+          <a:p>
+            <a:r>
+              <a:rPr lang="en-US" b="1" dirty="0" err="1"/>
+              <a:t>SecurityConfig</a:t>
+            </a:r>
+            <a:endParaRPr lang="en-US" b="1" dirty="0"/>
+          </a:p>
+        </p:txBody>
+      </p:sp>
+      <p:sp>
+        <p:nvSpPr>
+          <p:cNvPr id="61" name="TextBox 60"/>
+          <p:cNvSpPr txBox="1"/>
+          <p:nvPr/>
+        </p:nvSpPr>
+        <p:spPr>
+          <a:xfrm>
+            <a:off x="1269776" y="4628586"/>
+            <a:ext cx="1178528" cy="307777"/>
+          </a:xfrm>
+          <a:prstGeom prst="rect">
+            <a:avLst/>
+          </a:prstGeom>
+          <a:solidFill>
+            <a:schemeClr val="bg2"/>
+          </a:solidFill>
+          <a:ln>
+            <a:solidFill>
+              <a:schemeClr val="tx1"/>
+            </a:solidFill>
+          </a:ln>
+        </p:spPr>
+        <p:txBody>
+          <a:bodyPr wrap="none" rtlCol="0">
+            <a:spAutoFit/>
+          </a:bodyPr>
+          <a:lstStyle/>
+          <a:p>
+            <a:r>
+              <a:rPr lang="en-US" sz="1400" b="1" dirty="0" err="1"/>
+              <a:t>AppConfig</a:t>
+            </a:r>
+            <a:endParaRPr lang="en-US" sz="1400" b="1" dirty="0"/>
+          </a:p>
+        </p:txBody>
+      </p:sp>
+      <p:sp>
+        <p:nvSpPr>
+          <p:cNvPr id="62" name="TextBox 61"/>
+          <p:cNvSpPr txBox="1"/>
+          <p:nvPr/>
+        </p:nvSpPr>
+        <p:spPr>
+          <a:xfrm>
+            <a:off x="1269776" y="5181600"/>
+            <a:ext cx="1245854" cy="307777"/>
+          </a:xfrm>
+          <a:prstGeom prst="rect">
+            <a:avLst/>
+          </a:prstGeom>
+          <a:solidFill>
+            <a:schemeClr val="bg2"/>
+          </a:solidFill>
+          <a:ln>
+            <a:solidFill>
+              <a:schemeClr val="tx1"/>
+            </a:solidFill>
+          </a:ln>
+        </p:spPr>
+        <p:txBody>
+          <a:bodyPr wrap="none" rtlCol="0">
+            <a:spAutoFit/>
+          </a:bodyPr>
+          <a:lstStyle>
+            <a:defPPr>
+              <a:defRPr lang="en-US"/>
+            </a:defPPr>
+            <a:lvl1pPr>
+              <a:defRPr sz="1400"/>
+            </a:lvl1pPr>
+          </a:lstStyle>
+          <a:p>
+            <a:r>
+              <a:rPr lang="en-US" b="1" dirty="0" err="1"/>
+              <a:t>DataConfig</a:t>
+            </a:r>
+            <a:endParaRPr lang="en-US" b="1" dirty="0"/>
+          </a:p>
+        </p:txBody>
+      </p:sp>
+      <p:cxnSp>
+        <p:nvCxnSpPr>
+          <p:cNvPr id="63" name="Straight Arrow Connector 62"/>
+          <p:cNvCxnSpPr>
+            <a:endCxn id="49" idx="1"/>
+          </p:cNvCxnSpPr>
+          <p:nvPr/>
+        </p:nvCxnSpPr>
+        <p:spPr>
+          <a:xfrm flipV="1">
+            <a:off x="2861880" y="5868889"/>
+            <a:ext cx="1490778" cy="3027"/>
+          </a:xfrm>
+          <a:prstGeom prst="straightConnector1">
+            <a:avLst/>
+          </a:prstGeom>
+          <a:ln w="25400">
+            <a:tailEnd type="triangle" w="lg" len="lg"/>
+          </a:ln>
+        </p:spPr>
+        <p:style>
+          <a:lnRef idx="1">
+            <a:schemeClr val="dk1"/>
+          </a:lnRef>
+          <a:fillRef idx="0">
+            <a:schemeClr val="dk1"/>
+          </a:fillRef>
+          <a:effectRef idx="0">
+            <a:schemeClr val="dk1"/>
+          </a:effectRef>
+          <a:fontRef idx="minor">
+            <a:schemeClr val="tx1"/>
+          </a:fontRef>
+        </p:style>
+      </p:cxnSp>
+      <p:sp>
+        <p:nvSpPr>
+          <p:cNvPr id="64" name="Rectangle 63"/>
+          <p:cNvSpPr/>
+          <p:nvPr/>
+        </p:nvSpPr>
+        <p:spPr>
+          <a:xfrm>
+            <a:off x="7239000" y="4462048"/>
+            <a:ext cx="2971800" cy="2022644"/>
+          </a:xfrm>
+          <a:prstGeom prst="rect">
+            <a:avLst/>
+          </a:prstGeom>
+          <a:noFill/>
+        </p:spPr>
+        <p:style>
+          <a:lnRef idx="2">
+            <a:schemeClr val="accent1">
+              <a:shade val="50000"/>
+            </a:schemeClr>
+          </a:lnRef>
+          <a:fillRef idx="1">
+            <a:schemeClr val="accent1"/>
+          </a:fillRef>
+          <a:effectRef idx="0">
+            <a:schemeClr val="accent1"/>
+          </a:effectRef>
+          <a:fontRef idx="minor">
+            <a:schemeClr val="lt1"/>
+          </a:fontRef>
+        </p:style>
+        <p:txBody>
+          <a:bodyPr rtlCol="0" anchor="b" anchorCtr="0"/>
+          <a:lstStyle/>
+          <a:p>
+            <a:pPr algn="ctr"/>
+            <a:r>
+              <a:rPr lang="en-US" b="1" dirty="0">
+                <a:solidFill>
+                  <a:schemeClr val="tx1"/>
+                </a:solidFill>
+              </a:rPr>
+              <a:t>Model</a:t>
+            </a:r>
+          </a:p>
+        </p:txBody>
+      </p:sp>
+      <p:sp>
+        <p:nvSpPr>
+          <p:cNvPr id="65" name="TextBox 64"/>
+          <p:cNvSpPr txBox="1"/>
+          <p:nvPr/>
+        </p:nvSpPr>
+        <p:spPr>
+          <a:xfrm>
+            <a:off x="7545460" y="5715000"/>
+            <a:ext cx="619080" cy="307777"/>
+          </a:xfrm>
+          <a:prstGeom prst="rect">
+            <a:avLst/>
+          </a:prstGeom>
+          <a:solidFill>
+            <a:schemeClr val="bg2"/>
+          </a:solidFill>
+          <a:ln>
+            <a:solidFill>
+              <a:schemeClr val="tx1"/>
+            </a:solidFill>
+          </a:ln>
+        </p:spPr>
+        <p:txBody>
+          <a:bodyPr wrap="none" rtlCol="0">
+            <a:spAutoFit/>
+          </a:bodyPr>
+          <a:lstStyle>
+            <a:defPPr>
+              <a:defRPr lang="en-US"/>
+            </a:defPPr>
+            <a:lvl1pPr>
+              <a:defRPr sz="1400"/>
+            </a:lvl1pPr>
+          </a:lstStyle>
+          <a:p>
+            <a:r>
+              <a:rPr lang="en-US" b="1" dirty="0"/>
+              <a:t>User</a:t>
+            </a:r>
+          </a:p>
+        </p:txBody>
+      </p:sp>
+      <p:sp>
+        <p:nvSpPr>
+          <p:cNvPr id="66" name="TextBox 65"/>
+          <p:cNvSpPr txBox="1"/>
+          <p:nvPr/>
+        </p:nvSpPr>
+        <p:spPr>
+          <a:xfrm>
+            <a:off x="7545460" y="4639320"/>
+            <a:ext cx="1032655" cy="307777"/>
+          </a:xfrm>
+          <a:prstGeom prst="rect">
+            <a:avLst/>
+          </a:prstGeom>
+          <a:solidFill>
+            <a:schemeClr val="bg2"/>
+          </a:solidFill>
+          <a:ln>
+            <a:solidFill>
+              <a:schemeClr val="tx1"/>
+            </a:solidFill>
+          </a:ln>
+        </p:spPr>
+        <p:txBody>
+          <a:bodyPr wrap="none" rtlCol="0">
+            <a:spAutoFit/>
+          </a:bodyPr>
+          <a:lstStyle>
+            <a:defPPr>
+              <a:defRPr lang="en-US"/>
+            </a:defPPr>
+            <a:lvl1pPr>
+              <a:defRPr sz="1400"/>
+            </a:lvl1pPr>
+          </a:lstStyle>
+          <a:p>
+            <a:r>
+              <a:rPr lang="en-US" b="1" dirty="0"/>
+              <a:t>Category</a:t>
+            </a:r>
+          </a:p>
+        </p:txBody>
+      </p:sp>
+      <p:sp>
+        <p:nvSpPr>
+          <p:cNvPr id="68" name="TextBox 67"/>
+          <p:cNvSpPr txBox="1"/>
+          <p:nvPr/>
+        </p:nvSpPr>
+        <p:spPr>
+          <a:xfrm>
+            <a:off x="9144000" y="5714999"/>
+            <a:ext cx="604653" cy="307777"/>
+          </a:xfrm>
+          <a:prstGeom prst="rect">
+            <a:avLst/>
+          </a:prstGeom>
+          <a:solidFill>
+            <a:schemeClr val="bg2"/>
+          </a:solidFill>
+          <a:ln>
+            <a:solidFill>
+              <a:schemeClr val="tx1"/>
+            </a:solidFill>
+          </a:ln>
+        </p:spPr>
+        <p:txBody>
+          <a:bodyPr wrap="none" rtlCol="0">
+            <a:spAutoFit/>
+          </a:bodyPr>
+          <a:lstStyle>
+            <a:defPPr>
+              <a:defRPr lang="en-US"/>
+            </a:defPPr>
+            <a:lvl1pPr>
+              <a:defRPr sz="1400"/>
+            </a:lvl1pPr>
+          </a:lstStyle>
+          <a:p>
+            <a:r>
+              <a:rPr lang="en-US" b="1" dirty="0"/>
+              <a:t>Role</a:t>
+            </a:r>
+          </a:p>
+        </p:txBody>
+      </p:sp>
+      <p:cxnSp>
+        <p:nvCxnSpPr>
+          <p:cNvPr id="69" name="Straight Arrow Connector 68"/>
+          <p:cNvCxnSpPr>
+            <a:endCxn id="52" idx="1"/>
+          </p:cNvCxnSpPr>
+          <p:nvPr/>
+        </p:nvCxnSpPr>
+        <p:spPr>
+          <a:xfrm flipV="1">
+            <a:off x="5523413" y="2135089"/>
+            <a:ext cx="1944185" cy="10734"/>
+          </a:xfrm>
+          <a:prstGeom prst="straightConnector1">
+            <a:avLst/>
+          </a:prstGeom>
+          <a:ln w="25400">
+            <a:tailEnd type="triangle" w="lg" len="lg"/>
+          </a:ln>
+        </p:spPr>
+        <p:style>
+          <a:lnRef idx="1">
+            <a:schemeClr val="dk1"/>
+          </a:lnRef>
+          <a:fillRef idx="0">
+            <a:schemeClr val="dk1"/>
+          </a:fillRef>
+          <a:effectRef idx="0">
+            <a:schemeClr val="dk1"/>
+          </a:effectRef>
+          <a:fontRef idx="minor">
+            <a:schemeClr val="tx1"/>
+          </a:fontRef>
+        </p:style>
+      </p:cxnSp>
+      <p:cxnSp>
+        <p:nvCxnSpPr>
+          <p:cNvPr id="70" name="Straight Arrow Connector 69"/>
+          <p:cNvCxnSpPr>
+            <a:stCxn id="49" idx="3"/>
+            <a:endCxn id="50" idx="1"/>
+          </p:cNvCxnSpPr>
+          <p:nvPr/>
+        </p:nvCxnSpPr>
+        <p:spPr>
+          <a:xfrm flipV="1">
+            <a:off x="5664236" y="3676025"/>
+            <a:ext cx="1803364" cy="2192864"/>
+          </a:xfrm>
+          <a:prstGeom prst="straightConnector1">
+            <a:avLst/>
+          </a:prstGeom>
+          <a:ln w="25400">
+            <a:tailEnd type="triangle" w="lg" len="lg"/>
+          </a:ln>
+        </p:spPr>
+        <p:style>
+          <a:lnRef idx="1">
+            <a:schemeClr val="dk1"/>
+          </a:lnRef>
+          <a:fillRef idx="0">
+            <a:schemeClr val="dk1"/>
+          </a:fillRef>
+          <a:effectRef idx="0">
+            <a:schemeClr val="dk1"/>
+          </a:effectRef>
+          <a:fontRef idx="minor">
+            <a:schemeClr val="tx1"/>
+          </a:fontRef>
+        </p:style>
+      </p:cxnSp>
+      <p:sp>
+        <p:nvSpPr>
+          <p:cNvPr id="73" name="TextBox 72"/>
+          <p:cNvSpPr txBox="1"/>
+          <p:nvPr/>
+        </p:nvSpPr>
+        <p:spPr>
+          <a:xfrm>
+            <a:off x="8482752" y="4385846"/>
+            <a:ext cx="303288" cy="338554"/>
+          </a:xfrm>
+          <a:prstGeom prst="rect">
+            <a:avLst/>
+          </a:prstGeom>
+          <a:noFill/>
+        </p:spPr>
+        <p:txBody>
+          <a:bodyPr wrap="none" rtlCol="0">
+            <a:spAutoFit/>
+          </a:bodyPr>
+          <a:lstStyle/>
+          <a:p>
+            <a:r>
+              <a:rPr lang="en-US" sz="1600" b="1" dirty="0"/>
+              <a:t>1</a:t>
+            </a:r>
+          </a:p>
+        </p:txBody>
+      </p:sp>
+      <p:sp>
+        <p:nvSpPr>
+          <p:cNvPr id="76" name="Flowchart: Decision 75"/>
+          <p:cNvSpPr/>
+          <p:nvPr/>
+        </p:nvSpPr>
+        <p:spPr>
+          <a:xfrm>
+            <a:off x="8914811" y="5731877"/>
+            <a:ext cx="207925" cy="211723"/>
+          </a:xfrm>
+          <a:prstGeom prst="flowChartDecision">
+            <a:avLst/>
+          </a:prstGeom>
+          <a:noFill/>
+        </p:spPr>
+        <p:style>
+          <a:lnRef idx="2">
+            <a:schemeClr val="dk1">
+              <a:shade val="50000"/>
+            </a:schemeClr>
+          </a:lnRef>
+          <a:fillRef idx="1">
+            <a:schemeClr val="dk1"/>
+          </a:fillRef>
+          <a:effectRef idx="0">
+            <a:schemeClr val="dk1"/>
+          </a:effectRef>
+          <a:fontRef idx="minor">
+            <a:schemeClr val="lt1"/>
+          </a:fontRef>
+        </p:style>
+        <p:txBody>
+          <a:bodyPr rtlCol="0" anchor="ctr"/>
+          <a:lstStyle/>
+          <a:p>
+            <a:pPr algn="ctr"/>
+            <a:endParaRPr lang="en-US"/>
+          </a:p>
+        </p:txBody>
+      </p:sp>
+      <p:cxnSp>
+        <p:nvCxnSpPr>
+          <p:cNvPr id="77" name="Straight Arrow Connector 76"/>
+          <p:cNvCxnSpPr>
+            <a:endCxn id="76" idx="1"/>
+          </p:cNvCxnSpPr>
+          <p:nvPr/>
+        </p:nvCxnSpPr>
+        <p:spPr>
+          <a:xfrm flipV="1">
+            <a:off x="8168375" y="5837739"/>
+            <a:ext cx="746436" cy="8859"/>
+          </a:xfrm>
+          <a:prstGeom prst="straightConnector1">
+            <a:avLst/>
+          </a:prstGeom>
+          <a:ln w="25400">
+            <a:tailEnd type="none" w="lg" len="lg"/>
+          </a:ln>
+        </p:spPr>
+        <p:style>
+          <a:lnRef idx="1">
+            <a:schemeClr val="dk1"/>
+          </a:lnRef>
+          <a:fillRef idx="0">
+            <a:schemeClr val="dk1"/>
+          </a:fillRef>
+          <a:effectRef idx="0">
+            <a:schemeClr val="dk1"/>
+          </a:effectRef>
+          <a:fontRef idx="minor">
+            <a:schemeClr val="tx1"/>
+          </a:fontRef>
+        </p:style>
+      </p:cxnSp>
+      <p:sp>
+        <p:nvSpPr>
+          <p:cNvPr id="78" name="TextBox 77"/>
+          <p:cNvSpPr txBox="1"/>
+          <p:nvPr/>
+        </p:nvSpPr>
+        <p:spPr>
+          <a:xfrm>
+            <a:off x="8094742" y="5562600"/>
+            <a:ext cx="287258" cy="338554"/>
+          </a:xfrm>
+          <a:prstGeom prst="rect">
+            <a:avLst/>
+          </a:prstGeom>
+          <a:noFill/>
+        </p:spPr>
+        <p:txBody>
+          <a:bodyPr wrap="none" rtlCol="0">
+            <a:spAutoFit/>
+          </a:bodyPr>
+          <a:lstStyle/>
+          <a:p>
+            <a:r>
+              <a:rPr lang="en-US" sz="1600" b="1" dirty="0"/>
+              <a:t>*</a:t>
+            </a:r>
+          </a:p>
+        </p:txBody>
+      </p:sp>
+      <p:sp>
+        <p:nvSpPr>
+          <p:cNvPr id="79" name="TextBox 78"/>
+          <p:cNvSpPr txBox="1"/>
+          <p:nvPr/>
+        </p:nvSpPr>
+        <p:spPr>
+          <a:xfrm>
+            <a:off x="8915400" y="5410200"/>
+            <a:ext cx="303288" cy="338554"/>
+          </a:xfrm>
+          <a:prstGeom prst="rect">
+            <a:avLst/>
+          </a:prstGeom>
+          <a:noFill/>
+        </p:spPr>
+        <p:txBody>
+          <a:bodyPr wrap="none" rtlCol="0">
+            <a:spAutoFit/>
+          </a:bodyPr>
+          <a:lstStyle/>
+          <a:p>
+            <a:r>
+              <a:rPr lang="en-US" sz="1600" b="1" dirty="0"/>
+              <a:t>1</a:t>
+            </a:r>
+          </a:p>
+        </p:txBody>
+      </p:sp>
+      <p:sp>
+        <p:nvSpPr>
+          <p:cNvPr id="118" name="TextBox 117"/>
+          <p:cNvSpPr txBox="1"/>
+          <p:nvPr/>
+        </p:nvSpPr>
+        <p:spPr>
+          <a:xfrm>
+            <a:off x="4493722" y="3069403"/>
+            <a:ext cx="1311578" cy="307777"/>
+          </a:xfrm>
+          <a:prstGeom prst="rect">
+            <a:avLst/>
+          </a:prstGeom>
+          <a:solidFill>
+            <a:schemeClr val="bg2"/>
+          </a:solidFill>
+          <a:ln>
+            <a:solidFill>
+              <a:schemeClr val="tx1"/>
+            </a:solidFill>
+          </a:ln>
+        </p:spPr>
+        <p:txBody>
+          <a:bodyPr wrap="none" rtlCol="0">
+            <a:spAutoFit/>
+          </a:bodyPr>
+          <a:lstStyle>
+            <a:defPPr>
+              <a:defRPr lang="en-US"/>
+            </a:defPPr>
+            <a:lvl1pPr>
+              <a:defRPr sz="1400"/>
+            </a:lvl1pPr>
+          </a:lstStyle>
+          <a:p>
+            <a:r>
+              <a:rPr lang="en-US" b="1" dirty="0" err="1"/>
+              <a:t>SmsMessage</a:t>
+            </a:r>
+            <a:endParaRPr lang="en-US" b="1" dirty="0"/>
+          </a:p>
+        </p:txBody>
+      </p:sp>
+      <p:cxnSp>
+        <p:nvCxnSpPr>
+          <p:cNvPr id="119" name="Straight Arrow Connector 118"/>
+          <p:cNvCxnSpPr>
+            <a:cxnSpLocks/>
+            <a:stCxn id="45" idx="3"/>
+            <a:endCxn id="118" idx="1"/>
+          </p:cNvCxnSpPr>
+          <p:nvPr/>
+        </p:nvCxnSpPr>
+        <p:spPr>
+          <a:xfrm>
+            <a:off x="3140801" y="2135089"/>
+            <a:ext cx="1352921" cy="1088203"/>
+          </a:xfrm>
+          <a:prstGeom prst="straightConnector1">
+            <a:avLst/>
+          </a:prstGeom>
+          <a:ln w="25400">
+            <a:tailEnd type="triangle" w="lg" len="lg"/>
+          </a:ln>
+        </p:spPr>
+        <p:style>
+          <a:lnRef idx="1">
+            <a:schemeClr val="dk1"/>
+          </a:lnRef>
+          <a:fillRef idx="0">
+            <a:schemeClr val="dk1"/>
+          </a:fillRef>
+          <a:effectRef idx="0">
+            <a:schemeClr val="dk1"/>
+          </a:effectRef>
+          <a:fontRef idx="minor">
+            <a:schemeClr val="tx1"/>
+          </a:fontRef>
+        </p:style>
+      </p:cxnSp>
+      <p:sp>
+        <p:nvSpPr>
+          <p:cNvPr id="123" name="TextBox 122"/>
+          <p:cNvSpPr txBox="1"/>
+          <p:nvPr/>
+        </p:nvSpPr>
+        <p:spPr>
+          <a:xfrm>
+            <a:off x="5727771" y="2849146"/>
+            <a:ext cx="250651" cy="338554"/>
+          </a:xfrm>
+          <a:prstGeom prst="rect">
+            <a:avLst/>
+          </a:prstGeom>
+          <a:noFill/>
+        </p:spPr>
+        <p:txBody>
+          <a:bodyPr wrap="square" rtlCol="0">
+            <a:spAutoFit/>
+          </a:bodyPr>
+          <a:lstStyle/>
+          <a:p>
+            <a:r>
+              <a:rPr lang="en-US" sz="1600" b="1" dirty="0"/>
+              <a:t>1</a:t>
+            </a:r>
+          </a:p>
+        </p:txBody>
+      </p:sp>
+      <p:sp>
+        <p:nvSpPr>
+          <p:cNvPr id="124" name="TextBox 123"/>
+          <p:cNvSpPr txBox="1"/>
+          <p:nvPr/>
+        </p:nvSpPr>
+        <p:spPr>
+          <a:xfrm>
+            <a:off x="5956371" y="1731546"/>
+            <a:ext cx="250651" cy="338554"/>
+          </a:xfrm>
+          <a:prstGeom prst="rect">
+            <a:avLst/>
+          </a:prstGeom>
+          <a:noFill/>
+        </p:spPr>
+        <p:txBody>
+          <a:bodyPr wrap="square" rtlCol="0">
+            <a:spAutoFit/>
+          </a:bodyPr>
+          <a:lstStyle/>
+          <a:p>
+            <a:r>
+              <a:rPr lang="en-US" sz="1600" b="1" dirty="0"/>
+              <a:t>1</a:t>
+            </a:r>
+          </a:p>
+        </p:txBody>
+      </p:sp>
     </p:spTree>
     <p:extLst>
       <p:ext uri="{BB962C8B-B14F-4D97-AF65-F5344CB8AC3E}">
-        <p14:creationId xmlns:p14="http://schemas.microsoft.com/office/powerpoint/2010/main" val="3601317211"/>
+        <p14:creationId xmlns:p14="http://schemas.microsoft.com/office/powerpoint/2010/main" val="3499689957"/>
       </p:ext>
     </p:extLst>
   </p:cSld>
@@ -8230,83 +9586,43 @@
           <a:p>
             <a:r>
               <a:rPr lang="en-US" b="1" dirty="0"/>
-              <a:t>DEMO ILLUSTRATION</a:t>
-            </a:r>
-          </a:p>
-        </p:txBody>
-      </p:sp>
-      <p:sp>
-        <p:nvSpPr>
-          <p:cNvPr id="3" name="Content Placeholder 2"/>
-          <p:cNvSpPr>
-            <a:spLocks noGrp="1"/>
-          </p:cNvSpPr>
-          <p:nvPr>
-            <p:ph idx="1"/>
-          </p:nvPr>
-        </p:nvSpPr>
-        <p:spPr/>
-        <p:txBody>
-          <a:bodyPr/>
-          <a:lstStyle/>
-          <a:p>
-            <a:r>
-              <a:rPr lang="en-US" sz="2800" b="1" dirty="0"/>
-              <a:t>Programming Environment: </a:t>
-            </a:r>
-            <a:r>
-              <a:rPr lang="en-US" sz="2800" dirty="0"/>
-              <a:t>IntelliJ IDEA</a:t>
-            </a:r>
-          </a:p>
-          <a:p>
-            <a:pPr lvl="1"/>
-            <a:r>
-              <a:rPr lang="en-US" sz="2400" b="1" dirty="0"/>
-              <a:t>Steps:</a:t>
-            </a:r>
-          </a:p>
-          <a:p>
-            <a:pPr lvl="2"/>
-            <a:r>
-              <a:rPr lang="en-US" sz="2400" dirty="0"/>
-              <a:t>Add Full Name</a:t>
-            </a:r>
-          </a:p>
-          <a:p>
-            <a:pPr lvl="2"/>
-            <a:r>
-              <a:rPr lang="en-US" sz="2400" dirty="0"/>
-              <a:t>Add Phone Number</a:t>
-            </a:r>
-          </a:p>
-          <a:p>
-            <a:pPr lvl="2"/>
-            <a:r>
-              <a:rPr lang="en-US" sz="2400" dirty="0"/>
-              <a:t>Receive SMS Text Message</a:t>
-            </a:r>
-          </a:p>
-          <a:p>
-            <a:pPr lvl="2"/>
-            <a:r>
-              <a:rPr lang="en-US" sz="2400" dirty="0"/>
-              <a:t>Add Customer to Queue</a:t>
-            </a:r>
-          </a:p>
-          <a:p>
-            <a:pPr lvl="2"/>
-            <a:r>
-              <a:rPr lang="en-US" sz="2400" dirty="0"/>
-              <a:t>Remove User from Queue</a:t>
-            </a:r>
-          </a:p>
-        </p:txBody>
-      </p:sp>
+              <a:t>User Requirements</a:t>
+            </a:r>
+          </a:p>
+        </p:txBody>
+      </p:sp>
+      <p:pic>
+        <p:nvPicPr>
+          <p:cNvPr id="4" name="Picture 3"/>
+          <p:cNvPicPr/>
+          <p:nvPr/>
+        </p:nvPicPr>
+        <p:blipFill>
+          <a:blip r:embed="rId2">
+            <a:extLst>
+              <a:ext uri="{28A0092B-C50C-407E-A947-70E740481C1C}">
+                <a14:useLocalDpi xmlns:a14="http://schemas.microsoft.com/office/drawing/2010/main" val="0"/>
+              </a:ext>
+            </a:extLst>
+          </a:blip>
+          <a:stretch>
+            <a:fillRect/>
+          </a:stretch>
+        </p:blipFill>
+        <p:spPr>
+          <a:xfrm>
+            <a:off x="1416289" y="1278243"/>
+            <a:ext cx="8379065" cy="5160135"/>
+          </a:xfrm>
+          <a:prstGeom prst="rect">
+            <a:avLst/>
+          </a:prstGeom>
+        </p:spPr>
+      </p:pic>
     </p:spTree>
     <p:extLst>
       <p:ext uri="{BB962C8B-B14F-4D97-AF65-F5344CB8AC3E}">
-        <p14:creationId xmlns:p14="http://schemas.microsoft.com/office/powerpoint/2010/main" val="1678307596"/>
+        <p14:creationId xmlns:p14="http://schemas.microsoft.com/office/powerpoint/2010/main" val="3601317211"/>
       </p:ext>
     </p:extLst>
   </p:cSld>
@@ -8350,7 +9666,7 @@
           <a:p>
             <a:r>
               <a:rPr lang="en-US" b="1" dirty="0"/>
-              <a:t>Challenges Faced</a:t>
+              <a:t>DEMO ILLUSTRATION</a:t>
             </a:r>
           </a:p>
         </p:txBody>
@@ -8371,70 +9687,62 @@
           <a:lstStyle/>
           <a:p>
             <a:r>
-              <a:rPr lang="en-US" b="1" dirty="0"/>
-              <a:t>Complete &amp; Identical translation of program from GUI to Web Model</a:t>
-            </a:r>
-          </a:p>
-          <a:p>
-            <a:r>
-              <a:rPr lang="en-US" b="1" dirty="0"/>
-              <a:t>Minor issue: </a:t>
-            </a:r>
-            <a:r>
-              <a:rPr lang="en-US" b="1" dirty="0" err="1"/>
-              <a:t>Twilio</a:t>
-            </a:r>
-            <a:r>
-              <a:rPr lang="en-US" b="1" dirty="0"/>
-              <a:t> code did not initialize when inside the same method with Spring Framework Initialization</a:t>
-            </a:r>
-          </a:p>
-          <a:p>
-            <a:r>
-              <a:rPr lang="en-US" b="1" dirty="0" err="1"/>
-              <a:t>Gradle</a:t>
-            </a:r>
-            <a:r>
-              <a:rPr lang="en-US" b="1" dirty="0"/>
-              <a:t> build longer than needed</a:t>
-            </a:r>
-          </a:p>
-        </p:txBody>
-      </p:sp>
-      <p:pic>
-        <p:nvPicPr>
-          <p:cNvPr id="4" name="Picture 3"/>
-          <p:cNvPicPr>
-            <a:picLocks noChangeAspect="1"/>
-          </p:cNvPicPr>
-          <p:nvPr/>
-        </p:nvPicPr>
-        <p:blipFill>
-          <a:blip r:embed="rId2">
-            <a:extLst>
-              <a:ext uri="{28A0092B-C50C-407E-A947-70E740481C1C}">
-                <a14:useLocalDpi xmlns:a14="http://schemas.microsoft.com/office/drawing/2010/main" val="0"/>
-              </a:ext>
-            </a:extLst>
-          </a:blip>
-          <a:stretch>
-            <a:fillRect/>
-          </a:stretch>
-        </p:blipFill>
-        <p:spPr>
-          <a:xfrm>
-            <a:off x="2530256" y="4044115"/>
-            <a:ext cx="4807907" cy="2403954"/>
-          </a:xfrm>
-          <a:prstGeom prst="rect">
-            <a:avLst/>
-          </a:prstGeom>
-        </p:spPr>
-      </p:pic>
+              <a:rPr lang="en-US" sz="2800" b="1" dirty="0"/>
+              <a:t>Programming Environment: </a:t>
+            </a:r>
+            <a:r>
+              <a:rPr lang="en-US" sz="2800" dirty="0"/>
+              <a:t>IntelliJ IDEA</a:t>
+            </a:r>
+          </a:p>
+          <a:p>
+            <a:pPr lvl="1"/>
+            <a:r>
+              <a:rPr lang="en-US" sz="2400" b="1" dirty="0"/>
+              <a:t>Steps:</a:t>
+            </a:r>
+          </a:p>
+          <a:p>
+            <a:pPr lvl="2"/>
+            <a:r>
+              <a:rPr lang="en-US" sz="2400" dirty="0"/>
+              <a:t>Add Full Name</a:t>
+            </a:r>
+          </a:p>
+          <a:p>
+            <a:pPr lvl="2"/>
+            <a:r>
+              <a:rPr lang="en-US" sz="2400" dirty="0"/>
+              <a:t>Add Phone Number</a:t>
+            </a:r>
+          </a:p>
+          <a:p>
+            <a:pPr lvl="2"/>
+            <a:r>
+              <a:rPr lang="en-US" sz="2400" dirty="0"/>
+              <a:t>Receive SMS Text Message</a:t>
+            </a:r>
+          </a:p>
+          <a:p>
+            <a:pPr lvl="2"/>
+            <a:r>
+              <a:rPr lang="en-US" sz="2400" dirty="0"/>
+              <a:t>Add Customer to Queue</a:t>
+            </a:r>
+          </a:p>
+          <a:p>
+            <a:pPr lvl="2"/>
+            <a:r>
+              <a:rPr lang="en-US" sz="2400" dirty="0"/>
+              <a:t>Remove User from Queue</a:t>
+            </a:r>
+          </a:p>
+        </p:txBody>
+      </p:sp>
     </p:spTree>
     <p:extLst>
       <p:ext uri="{BB962C8B-B14F-4D97-AF65-F5344CB8AC3E}">
-        <p14:creationId xmlns:p14="http://schemas.microsoft.com/office/powerpoint/2010/main" val="169243110"/>
+        <p14:creationId xmlns:p14="http://schemas.microsoft.com/office/powerpoint/2010/main" val="1678307596"/>
       </p:ext>
     </p:extLst>
   </p:cSld>

--- a/CustomerQueue.pptx
+++ b/CustomerQueue.pptx
@@ -6759,7 +6759,7 @@
             </a:r>
             <a:r>
               <a:rPr lang="en-US" dirty="0"/>
-              <a:t>Customers, Employees &amp; Customers of different industries</a:t>
+              <a:t>Employees &amp; Customers of different industries</a:t>
             </a:r>
           </a:p>
           <a:p>

--- a/CustomerQueue.pptx
+++ b/CustomerQueue.pptx
@@ -9170,14 +9170,15 @@
         <p:nvCxnSpPr>
           <p:cNvPr id="69" name="Straight Arrow Connector 68"/>
           <p:cNvCxnSpPr>
+            <a:stCxn id="48" idx="3"/>
             <a:endCxn id="52" idx="1"/>
           </p:cNvCxnSpPr>
           <p:nvPr/>
         </p:nvCxnSpPr>
         <p:spPr>
           <a:xfrm flipV="1">
-            <a:off x="5523413" y="2135089"/>
-            <a:ext cx="1944185" cy="10734"/>
+            <a:off x="6015293" y="2135089"/>
+            <a:ext cx="1452305" cy="10734"/>
           </a:xfrm>
           <a:prstGeom prst="straightConnector1">
             <a:avLst/>

--- a/CustomerQueue.pptx
+++ b/CustomerQueue.pptx
@@ -6328,16 +6328,6 @@
               <a:t> code did not initialize when inside the same method with Spring Framework Initialization</a:t>
             </a:r>
           </a:p>
-          <a:p>
-            <a:r>
-              <a:rPr lang="en-US" b="1" dirty="0" err="1"/>
-              <a:t>Gradle</a:t>
-            </a:r>
-            <a:r>
-              <a:rPr lang="en-US" b="1" dirty="0"/>
-              <a:t> build longer than needed</a:t>
-            </a:r>
-          </a:p>
         </p:txBody>
       </p:sp>
       <p:pic>
@@ -6362,7 +6352,7 @@
         </p:blipFill>
         <p:spPr>
           <a:xfrm>
-            <a:off x="2530256" y="4044115"/>
+            <a:off x="2555308" y="3455392"/>
             <a:ext cx="4807907" cy="2403954"/>
           </a:xfrm>
           <a:prstGeom prst="rect">
@@ -6438,9 +6428,22 @@
           <a:lstStyle/>
           <a:p>
             <a:r>
-              <a:rPr lang="en-US" dirty="0"/>
+              <a:rPr lang="en-US" b="1" dirty="0"/>
               <a:t>Program will only work if establishment has Internet connection</a:t>
             </a:r>
+          </a:p>
+          <a:p>
+            <a:r>
+              <a:rPr lang="en-US" b="1" dirty="0" err="1"/>
+              <a:t>Gradle</a:t>
+            </a:r>
+            <a:r>
+              <a:rPr lang="en-US" b="1" dirty="0"/>
+              <a:t> build longer than needed</a:t>
+            </a:r>
+          </a:p>
+          <a:p>
+            <a:endParaRPr lang="en-US" dirty="0"/>
           </a:p>
         </p:txBody>
       </p:sp>
@@ -6466,8 +6469,8 @@
         </p:blipFill>
         <p:spPr>
           <a:xfrm>
-            <a:off x="3006246" y="2757089"/>
-            <a:ext cx="3752198" cy="2954388"/>
+            <a:off x="3444658" y="3102283"/>
+            <a:ext cx="3313786" cy="2609193"/>
           </a:xfrm>
           <a:prstGeom prst="rect">
             <a:avLst/>
